--- a/files/xss.pptx
+++ b/files/xss.pptx
@@ -220,7 +220,7 @@
           <a:p>
             <a:fld id="{A9881B1C-CF05-0F44-A33E-A38439A627E4}" type="datetimeFigureOut">
               <a:rPr lang="en-IL" smtClean="0"/>
-              <a:t>11/24/2024</a:t>
+              <a:t>11/14/2025</a:t>
             </a:fld>
             <a:endParaRPr lang="en-IL"/>
           </a:p>
@@ -1226,7 +1226,7 @@
           <a:p>
             <a:fld id="{01F9F28E-B300-B343-AE70-8AAEBE22BCA3}" type="datetimeFigureOut">
               <a:rPr lang="en-IL" smtClean="0"/>
-              <a:t>11/24/2024</a:t>
+              <a:t>11/14/2025</a:t>
             </a:fld>
             <a:endParaRPr lang="en-IL"/>
           </a:p>
@@ -1426,7 +1426,7 @@
           <a:p>
             <a:fld id="{01F9F28E-B300-B343-AE70-8AAEBE22BCA3}" type="datetimeFigureOut">
               <a:rPr lang="en-IL" smtClean="0"/>
-              <a:t>11/24/2024</a:t>
+              <a:t>11/14/2025</a:t>
             </a:fld>
             <a:endParaRPr lang="en-IL"/>
           </a:p>
@@ -1636,7 +1636,7 @@
           <a:p>
             <a:fld id="{01F9F28E-B300-B343-AE70-8AAEBE22BCA3}" type="datetimeFigureOut">
               <a:rPr lang="en-IL" smtClean="0"/>
-              <a:t>11/24/2024</a:t>
+              <a:t>11/14/2025</a:t>
             </a:fld>
             <a:endParaRPr lang="en-IL"/>
           </a:p>
@@ -1836,7 +1836,7 @@
           <a:p>
             <a:fld id="{01F9F28E-B300-B343-AE70-8AAEBE22BCA3}" type="datetimeFigureOut">
               <a:rPr lang="en-IL" smtClean="0"/>
-              <a:t>11/24/2024</a:t>
+              <a:t>11/14/2025</a:t>
             </a:fld>
             <a:endParaRPr lang="en-IL"/>
           </a:p>
@@ -2112,7 +2112,7 @@
           <a:p>
             <a:fld id="{01F9F28E-B300-B343-AE70-8AAEBE22BCA3}" type="datetimeFigureOut">
               <a:rPr lang="en-IL" smtClean="0"/>
-              <a:t>11/24/2024</a:t>
+              <a:t>11/14/2025</a:t>
             </a:fld>
             <a:endParaRPr lang="en-IL"/>
           </a:p>
@@ -2380,7 +2380,7 @@
           <a:p>
             <a:fld id="{01F9F28E-B300-B343-AE70-8AAEBE22BCA3}" type="datetimeFigureOut">
               <a:rPr lang="en-IL" smtClean="0"/>
-              <a:t>11/24/2024</a:t>
+              <a:t>11/14/2025</a:t>
             </a:fld>
             <a:endParaRPr lang="en-IL"/>
           </a:p>
@@ -2795,7 +2795,7 @@
           <a:p>
             <a:fld id="{01F9F28E-B300-B343-AE70-8AAEBE22BCA3}" type="datetimeFigureOut">
               <a:rPr lang="en-IL" smtClean="0"/>
-              <a:t>11/24/2024</a:t>
+              <a:t>11/14/2025</a:t>
             </a:fld>
             <a:endParaRPr lang="en-IL"/>
           </a:p>
@@ -2937,7 +2937,7 @@
           <a:p>
             <a:fld id="{01F9F28E-B300-B343-AE70-8AAEBE22BCA3}" type="datetimeFigureOut">
               <a:rPr lang="en-IL" smtClean="0"/>
-              <a:t>11/24/2024</a:t>
+              <a:t>11/14/2025</a:t>
             </a:fld>
             <a:endParaRPr lang="en-IL"/>
           </a:p>
@@ -3050,7 +3050,7 @@
           <a:p>
             <a:fld id="{01F9F28E-B300-B343-AE70-8AAEBE22BCA3}" type="datetimeFigureOut">
               <a:rPr lang="en-IL" smtClean="0"/>
-              <a:t>11/24/2024</a:t>
+              <a:t>11/14/2025</a:t>
             </a:fld>
             <a:endParaRPr lang="en-IL"/>
           </a:p>
@@ -3363,7 +3363,7 @@
           <a:p>
             <a:fld id="{01F9F28E-B300-B343-AE70-8AAEBE22BCA3}" type="datetimeFigureOut">
               <a:rPr lang="en-IL" smtClean="0"/>
-              <a:t>11/24/2024</a:t>
+              <a:t>11/14/2025</a:t>
             </a:fld>
             <a:endParaRPr lang="en-IL"/>
           </a:p>
@@ -3652,7 +3652,7 @@
           <a:p>
             <a:fld id="{01F9F28E-B300-B343-AE70-8AAEBE22BCA3}" type="datetimeFigureOut">
               <a:rPr lang="en-IL" smtClean="0"/>
-              <a:t>11/24/2024</a:t>
+              <a:t>11/14/2025</a:t>
             </a:fld>
             <a:endParaRPr lang="en-IL"/>
           </a:p>
@@ -3895,7 +3895,7 @@
           <a:p>
             <a:fld id="{01F9F28E-B300-B343-AE70-8AAEBE22BCA3}" type="datetimeFigureOut">
               <a:rPr lang="en-IL" smtClean="0"/>
-              <a:t>11/24/2024</a:t>
+              <a:t>11/14/2025</a:t>
             </a:fld>
             <a:endParaRPr lang="en-IL"/>
           </a:p>
@@ -4586,7 +4586,7 @@
                 <a:ea typeface="+mn-lt"/>
                 <a:cs typeface="+mn-lt"/>
               </a:rPr>
-              <a:t>Winter 2024/25</a:t>
+              <a:t>Winter 2025/26</a:t>
             </a:r>
             <a:endParaRPr lang="en-US" spc="100" dirty="0">
               <a:solidFill>
